--- a/DS3/TUA GRAÇA ME BASTA.pptx
+++ b/DS3/TUA GRAÇA ME BASTA.pptx
@@ -162,10 +162,9 @@
           </a:lstStyle>
           <a:p>
             <a:r>
-              <a:rPr lang="pt-BR" smtClean="0"/>
+              <a:rPr lang="pt-BR"/>
               <a:t>Clique para editar o título mestre</a:t>
             </a:r>
-            <a:endParaRPr lang="pt-BR"/>
           </a:p>
         </p:txBody>
       </p:sp>
@@ -227,10 +226,9 @@
           </a:lstStyle>
           <a:p>
             <a:r>
-              <a:rPr lang="pt-BR" smtClean="0"/>
+              <a:rPr lang="pt-BR"/>
               <a:t>Clique para editar o estilo do subtítulo Mestre</a:t>
             </a:r>
-            <a:endParaRPr lang="pt-BR"/>
           </a:p>
         </p:txBody>
       </p:sp>
@@ -251,7 +249,7 @@
           <a:p>
             <a:fld id="{79BD409C-FB56-4532-84F7-265D0F616909}" type="datetimeFigureOut">
               <a:rPr lang="pt-BR" smtClean="0"/>
-              <a:t>20/03/2022</a:t>
+              <a:t>22/11/2023</a:t>
             </a:fld>
             <a:endParaRPr lang="pt-BR"/>
           </a:p>
@@ -345,10 +343,9 @@
           <a:lstStyle/>
           <a:p>
             <a:r>
-              <a:rPr lang="pt-BR" smtClean="0"/>
+              <a:rPr lang="pt-BR"/>
               <a:t>Clique para editar o título mestre</a:t>
             </a:r>
-            <a:endParaRPr lang="pt-BR"/>
           </a:p>
         </p:txBody>
       </p:sp>
@@ -369,38 +366,37 @@
           <a:p>
             <a:pPr lvl="0"/>
             <a:r>
-              <a:rPr lang="pt-BR" smtClean="0"/>
+              <a:rPr lang="pt-BR"/>
               <a:t>Editar estilos de texto Mestre</a:t>
             </a:r>
           </a:p>
           <a:p>
             <a:pPr lvl="1"/>
             <a:r>
-              <a:rPr lang="pt-BR" smtClean="0"/>
+              <a:rPr lang="pt-BR"/>
               <a:t>Segundo nível</a:t>
             </a:r>
           </a:p>
           <a:p>
             <a:pPr lvl="2"/>
             <a:r>
-              <a:rPr lang="pt-BR" smtClean="0"/>
+              <a:rPr lang="pt-BR"/>
               <a:t>Terceiro nível</a:t>
             </a:r>
           </a:p>
           <a:p>
             <a:pPr lvl="3"/>
             <a:r>
-              <a:rPr lang="pt-BR" smtClean="0"/>
+              <a:rPr lang="pt-BR"/>
               <a:t>Quarto nível</a:t>
             </a:r>
           </a:p>
           <a:p>
             <a:pPr lvl="4"/>
             <a:r>
-              <a:rPr lang="pt-BR" smtClean="0"/>
+              <a:rPr lang="pt-BR"/>
               <a:t>Quinto nível</a:t>
             </a:r>
-            <a:endParaRPr lang="pt-BR"/>
           </a:p>
         </p:txBody>
       </p:sp>
@@ -421,7 +417,7 @@
           <a:p>
             <a:fld id="{79BD409C-FB56-4532-84F7-265D0F616909}" type="datetimeFigureOut">
               <a:rPr lang="pt-BR" smtClean="0"/>
-              <a:t>20/03/2022</a:t>
+              <a:t>22/11/2023</a:t>
             </a:fld>
             <a:endParaRPr lang="pt-BR"/>
           </a:p>
@@ -520,10 +516,9 @@
           <a:lstStyle/>
           <a:p>
             <a:r>
-              <a:rPr lang="pt-BR" smtClean="0"/>
+              <a:rPr lang="pt-BR"/>
               <a:t>Clique para editar o título mestre</a:t>
             </a:r>
-            <a:endParaRPr lang="pt-BR"/>
           </a:p>
         </p:txBody>
       </p:sp>
@@ -549,38 +544,37 @@
           <a:p>
             <a:pPr lvl="0"/>
             <a:r>
-              <a:rPr lang="pt-BR" smtClean="0"/>
+              <a:rPr lang="pt-BR"/>
               <a:t>Editar estilos de texto Mestre</a:t>
             </a:r>
           </a:p>
           <a:p>
             <a:pPr lvl="1"/>
             <a:r>
-              <a:rPr lang="pt-BR" smtClean="0"/>
+              <a:rPr lang="pt-BR"/>
               <a:t>Segundo nível</a:t>
             </a:r>
           </a:p>
           <a:p>
             <a:pPr lvl="2"/>
             <a:r>
-              <a:rPr lang="pt-BR" smtClean="0"/>
+              <a:rPr lang="pt-BR"/>
               <a:t>Terceiro nível</a:t>
             </a:r>
           </a:p>
           <a:p>
             <a:pPr lvl="3"/>
             <a:r>
-              <a:rPr lang="pt-BR" smtClean="0"/>
+              <a:rPr lang="pt-BR"/>
               <a:t>Quarto nível</a:t>
             </a:r>
           </a:p>
           <a:p>
             <a:pPr lvl="4"/>
             <a:r>
-              <a:rPr lang="pt-BR" smtClean="0"/>
+              <a:rPr lang="pt-BR"/>
               <a:t>Quinto nível</a:t>
             </a:r>
-            <a:endParaRPr lang="pt-BR"/>
           </a:p>
         </p:txBody>
       </p:sp>
@@ -601,7 +595,7 @@
           <a:p>
             <a:fld id="{79BD409C-FB56-4532-84F7-265D0F616909}" type="datetimeFigureOut">
               <a:rPr lang="pt-BR" smtClean="0"/>
-              <a:t>20/03/2022</a:t>
+              <a:t>22/11/2023</a:t>
             </a:fld>
             <a:endParaRPr lang="pt-BR"/>
           </a:p>
@@ -695,10 +689,9 @@
           <a:lstStyle/>
           <a:p>
             <a:r>
-              <a:rPr lang="pt-BR" smtClean="0"/>
+              <a:rPr lang="pt-BR"/>
               <a:t>Clique para editar o título mestre</a:t>
             </a:r>
-            <a:endParaRPr lang="pt-BR"/>
           </a:p>
         </p:txBody>
       </p:sp>
@@ -719,38 +712,37 @@
           <a:p>
             <a:pPr lvl="0"/>
             <a:r>
-              <a:rPr lang="pt-BR" smtClean="0"/>
+              <a:rPr lang="pt-BR"/>
               <a:t>Editar estilos de texto Mestre</a:t>
             </a:r>
           </a:p>
           <a:p>
             <a:pPr lvl="1"/>
             <a:r>
-              <a:rPr lang="pt-BR" smtClean="0"/>
+              <a:rPr lang="pt-BR"/>
               <a:t>Segundo nível</a:t>
             </a:r>
           </a:p>
           <a:p>
             <a:pPr lvl="2"/>
             <a:r>
-              <a:rPr lang="pt-BR" smtClean="0"/>
+              <a:rPr lang="pt-BR"/>
               <a:t>Terceiro nível</a:t>
             </a:r>
           </a:p>
           <a:p>
             <a:pPr lvl="3"/>
             <a:r>
-              <a:rPr lang="pt-BR" smtClean="0"/>
+              <a:rPr lang="pt-BR"/>
               <a:t>Quarto nível</a:t>
             </a:r>
           </a:p>
           <a:p>
             <a:pPr lvl="4"/>
             <a:r>
-              <a:rPr lang="pt-BR" smtClean="0"/>
+              <a:rPr lang="pt-BR"/>
               <a:t>Quinto nível</a:t>
             </a:r>
-            <a:endParaRPr lang="pt-BR"/>
           </a:p>
         </p:txBody>
       </p:sp>
@@ -771,7 +763,7 @@
           <a:p>
             <a:fld id="{79BD409C-FB56-4532-84F7-265D0F616909}" type="datetimeFigureOut">
               <a:rPr lang="pt-BR" smtClean="0"/>
-              <a:t>20/03/2022</a:t>
+              <a:t>22/11/2023</a:t>
             </a:fld>
             <a:endParaRPr lang="pt-BR"/>
           </a:p>
@@ -874,10 +866,9 @@
           </a:lstStyle>
           <a:p>
             <a:r>
-              <a:rPr lang="pt-BR" smtClean="0"/>
+              <a:rPr lang="pt-BR"/>
               <a:t>Clique para editar o título mestre</a:t>
             </a:r>
-            <a:endParaRPr lang="pt-BR"/>
           </a:p>
         </p:txBody>
       </p:sp>
@@ -994,7 +985,7 @@
           <a:p>
             <a:pPr lvl="0"/>
             <a:r>
-              <a:rPr lang="pt-BR" smtClean="0"/>
+              <a:rPr lang="pt-BR"/>
               <a:t>Editar estilos de texto Mestre</a:t>
             </a:r>
           </a:p>
@@ -1017,7 +1008,7 @@
           <a:p>
             <a:fld id="{79BD409C-FB56-4532-84F7-265D0F616909}" type="datetimeFigureOut">
               <a:rPr lang="pt-BR" smtClean="0"/>
-              <a:t>20/03/2022</a:t>
+              <a:t>22/11/2023</a:t>
             </a:fld>
             <a:endParaRPr lang="pt-BR"/>
           </a:p>
@@ -1111,10 +1102,9 @@
           <a:lstStyle/>
           <a:p>
             <a:r>
-              <a:rPr lang="pt-BR" smtClean="0"/>
+              <a:rPr lang="pt-BR"/>
               <a:t>Clique para editar o título mestre</a:t>
             </a:r>
-            <a:endParaRPr lang="pt-BR"/>
           </a:p>
         </p:txBody>
       </p:sp>
@@ -1140,38 +1130,37 @@
           <a:p>
             <a:pPr lvl="0"/>
             <a:r>
-              <a:rPr lang="pt-BR" smtClean="0"/>
+              <a:rPr lang="pt-BR"/>
               <a:t>Editar estilos de texto Mestre</a:t>
             </a:r>
           </a:p>
           <a:p>
             <a:pPr lvl="1"/>
             <a:r>
-              <a:rPr lang="pt-BR" smtClean="0"/>
+              <a:rPr lang="pt-BR"/>
               <a:t>Segundo nível</a:t>
             </a:r>
           </a:p>
           <a:p>
             <a:pPr lvl="2"/>
             <a:r>
-              <a:rPr lang="pt-BR" smtClean="0"/>
+              <a:rPr lang="pt-BR"/>
               <a:t>Terceiro nível</a:t>
             </a:r>
           </a:p>
           <a:p>
             <a:pPr lvl="3"/>
             <a:r>
-              <a:rPr lang="pt-BR" smtClean="0"/>
+              <a:rPr lang="pt-BR"/>
               <a:t>Quarto nível</a:t>
             </a:r>
           </a:p>
           <a:p>
             <a:pPr lvl="4"/>
             <a:r>
-              <a:rPr lang="pt-BR" smtClean="0"/>
+              <a:rPr lang="pt-BR"/>
               <a:t>Quinto nível</a:t>
             </a:r>
-            <a:endParaRPr lang="pt-BR"/>
           </a:p>
         </p:txBody>
       </p:sp>
@@ -1197,38 +1186,37 @@
           <a:p>
             <a:pPr lvl="0"/>
             <a:r>
-              <a:rPr lang="pt-BR" smtClean="0"/>
+              <a:rPr lang="pt-BR"/>
               <a:t>Editar estilos de texto Mestre</a:t>
             </a:r>
           </a:p>
           <a:p>
             <a:pPr lvl="1"/>
             <a:r>
-              <a:rPr lang="pt-BR" smtClean="0"/>
+              <a:rPr lang="pt-BR"/>
               <a:t>Segundo nível</a:t>
             </a:r>
           </a:p>
           <a:p>
             <a:pPr lvl="2"/>
             <a:r>
-              <a:rPr lang="pt-BR" smtClean="0"/>
+              <a:rPr lang="pt-BR"/>
               <a:t>Terceiro nível</a:t>
             </a:r>
           </a:p>
           <a:p>
             <a:pPr lvl="3"/>
             <a:r>
-              <a:rPr lang="pt-BR" smtClean="0"/>
+              <a:rPr lang="pt-BR"/>
               <a:t>Quarto nível</a:t>
             </a:r>
           </a:p>
           <a:p>
             <a:pPr lvl="4"/>
             <a:r>
-              <a:rPr lang="pt-BR" smtClean="0"/>
+              <a:rPr lang="pt-BR"/>
               <a:t>Quinto nível</a:t>
             </a:r>
-            <a:endParaRPr lang="pt-BR"/>
           </a:p>
         </p:txBody>
       </p:sp>
@@ -1249,7 +1237,7 @@
           <a:p>
             <a:fld id="{79BD409C-FB56-4532-84F7-265D0F616909}" type="datetimeFigureOut">
               <a:rPr lang="pt-BR" smtClean="0"/>
-              <a:t>20/03/2022</a:t>
+              <a:t>22/11/2023</a:t>
             </a:fld>
             <a:endParaRPr lang="pt-BR"/>
           </a:p>
@@ -1348,10 +1336,9 @@
           <a:lstStyle/>
           <a:p>
             <a:r>
-              <a:rPr lang="pt-BR" smtClean="0"/>
+              <a:rPr lang="pt-BR"/>
               <a:t>Clique para editar o título mestre</a:t>
             </a:r>
-            <a:endParaRPr lang="pt-BR"/>
           </a:p>
         </p:txBody>
       </p:sp>
@@ -1414,7 +1401,7 @@
           <a:p>
             <a:pPr lvl="0"/>
             <a:r>
-              <a:rPr lang="pt-BR" smtClean="0"/>
+              <a:rPr lang="pt-BR"/>
               <a:t>Editar estilos de texto Mestre</a:t>
             </a:r>
           </a:p>
@@ -1442,38 +1429,37 @@
           <a:p>
             <a:pPr lvl="0"/>
             <a:r>
-              <a:rPr lang="pt-BR" smtClean="0"/>
+              <a:rPr lang="pt-BR"/>
               <a:t>Editar estilos de texto Mestre</a:t>
             </a:r>
           </a:p>
           <a:p>
             <a:pPr lvl="1"/>
             <a:r>
-              <a:rPr lang="pt-BR" smtClean="0"/>
+              <a:rPr lang="pt-BR"/>
               <a:t>Segundo nível</a:t>
             </a:r>
           </a:p>
           <a:p>
             <a:pPr lvl="2"/>
             <a:r>
-              <a:rPr lang="pt-BR" smtClean="0"/>
+              <a:rPr lang="pt-BR"/>
               <a:t>Terceiro nível</a:t>
             </a:r>
           </a:p>
           <a:p>
             <a:pPr lvl="3"/>
             <a:r>
-              <a:rPr lang="pt-BR" smtClean="0"/>
+              <a:rPr lang="pt-BR"/>
               <a:t>Quarto nível</a:t>
             </a:r>
           </a:p>
           <a:p>
             <a:pPr lvl="4"/>
             <a:r>
-              <a:rPr lang="pt-BR" smtClean="0"/>
+              <a:rPr lang="pt-BR"/>
               <a:t>Quinto nível</a:t>
             </a:r>
-            <a:endParaRPr lang="pt-BR"/>
           </a:p>
         </p:txBody>
       </p:sp>
@@ -1536,7 +1522,7 @@
           <a:p>
             <a:pPr lvl="0"/>
             <a:r>
-              <a:rPr lang="pt-BR" smtClean="0"/>
+              <a:rPr lang="pt-BR"/>
               <a:t>Editar estilos de texto Mestre</a:t>
             </a:r>
           </a:p>
@@ -1564,38 +1550,37 @@
           <a:p>
             <a:pPr lvl="0"/>
             <a:r>
-              <a:rPr lang="pt-BR" smtClean="0"/>
+              <a:rPr lang="pt-BR"/>
               <a:t>Editar estilos de texto Mestre</a:t>
             </a:r>
           </a:p>
           <a:p>
             <a:pPr lvl="1"/>
             <a:r>
-              <a:rPr lang="pt-BR" smtClean="0"/>
+              <a:rPr lang="pt-BR"/>
               <a:t>Segundo nível</a:t>
             </a:r>
           </a:p>
           <a:p>
             <a:pPr lvl="2"/>
             <a:r>
-              <a:rPr lang="pt-BR" smtClean="0"/>
+              <a:rPr lang="pt-BR"/>
               <a:t>Terceiro nível</a:t>
             </a:r>
           </a:p>
           <a:p>
             <a:pPr lvl="3"/>
             <a:r>
-              <a:rPr lang="pt-BR" smtClean="0"/>
+              <a:rPr lang="pt-BR"/>
               <a:t>Quarto nível</a:t>
             </a:r>
           </a:p>
           <a:p>
             <a:pPr lvl="4"/>
             <a:r>
-              <a:rPr lang="pt-BR" smtClean="0"/>
+              <a:rPr lang="pt-BR"/>
               <a:t>Quinto nível</a:t>
             </a:r>
-            <a:endParaRPr lang="pt-BR"/>
           </a:p>
         </p:txBody>
       </p:sp>
@@ -1616,7 +1601,7 @@
           <a:p>
             <a:fld id="{79BD409C-FB56-4532-84F7-265D0F616909}" type="datetimeFigureOut">
               <a:rPr lang="pt-BR" smtClean="0"/>
-              <a:t>20/03/2022</a:t>
+              <a:t>22/11/2023</a:t>
             </a:fld>
             <a:endParaRPr lang="pt-BR"/>
           </a:p>
@@ -1710,10 +1695,9 @@
           <a:lstStyle/>
           <a:p>
             <a:r>
-              <a:rPr lang="pt-BR" smtClean="0"/>
+              <a:rPr lang="pt-BR"/>
               <a:t>Clique para editar o título mestre</a:t>
             </a:r>
-            <a:endParaRPr lang="pt-BR"/>
           </a:p>
         </p:txBody>
       </p:sp>
@@ -1734,7 +1718,7 @@
           <a:p>
             <a:fld id="{79BD409C-FB56-4532-84F7-265D0F616909}" type="datetimeFigureOut">
               <a:rPr lang="pt-BR" smtClean="0"/>
-              <a:t>20/03/2022</a:t>
+              <a:t>22/11/2023</a:t>
             </a:fld>
             <a:endParaRPr lang="pt-BR"/>
           </a:p>
@@ -1829,7 +1813,7 @@
           <a:p>
             <a:fld id="{79BD409C-FB56-4532-84F7-265D0F616909}" type="datetimeFigureOut">
               <a:rPr lang="pt-BR" smtClean="0"/>
-              <a:t>20/03/2022</a:t>
+              <a:t>22/11/2023</a:t>
             </a:fld>
             <a:endParaRPr lang="pt-BR"/>
           </a:p>
@@ -1932,10 +1916,9 @@
           </a:lstStyle>
           <a:p>
             <a:r>
-              <a:rPr lang="pt-BR" smtClean="0"/>
+              <a:rPr lang="pt-BR"/>
               <a:t>Clique para editar o título mestre</a:t>
             </a:r>
-            <a:endParaRPr lang="pt-BR"/>
           </a:p>
         </p:txBody>
       </p:sp>
@@ -1989,38 +1972,37 @@
           <a:p>
             <a:pPr lvl="0"/>
             <a:r>
-              <a:rPr lang="pt-BR" smtClean="0"/>
+              <a:rPr lang="pt-BR"/>
               <a:t>Editar estilos de texto Mestre</a:t>
             </a:r>
           </a:p>
           <a:p>
             <a:pPr lvl="1"/>
             <a:r>
-              <a:rPr lang="pt-BR" smtClean="0"/>
+              <a:rPr lang="pt-BR"/>
               <a:t>Segundo nível</a:t>
             </a:r>
           </a:p>
           <a:p>
             <a:pPr lvl="2"/>
             <a:r>
-              <a:rPr lang="pt-BR" smtClean="0"/>
+              <a:rPr lang="pt-BR"/>
               <a:t>Terceiro nível</a:t>
             </a:r>
           </a:p>
           <a:p>
             <a:pPr lvl="3"/>
             <a:r>
-              <a:rPr lang="pt-BR" smtClean="0"/>
+              <a:rPr lang="pt-BR"/>
               <a:t>Quarto nível</a:t>
             </a:r>
           </a:p>
           <a:p>
             <a:pPr lvl="4"/>
             <a:r>
-              <a:rPr lang="pt-BR" smtClean="0"/>
+              <a:rPr lang="pt-BR"/>
               <a:t>Quinto nível</a:t>
             </a:r>
-            <a:endParaRPr lang="pt-BR"/>
           </a:p>
         </p:txBody>
       </p:sp>
@@ -2083,7 +2065,7 @@
           <a:p>
             <a:pPr lvl="0"/>
             <a:r>
-              <a:rPr lang="pt-BR" smtClean="0"/>
+              <a:rPr lang="pt-BR"/>
               <a:t>Editar estilos de texto Mestre</a:t>
             </a:r>
           </a:p>
@@ -2106,7 +2088,7 @@
           <a:p>
             <a:fld id="{79BD409C-FB56-4532-84F7-265D0F616909}" type="datetimeFigureOut">
               <a:rPr lang="pt-BR" smtClean="0"/>
-              <a:t>20/03/2022</a:t>
+              <a:t>22/11/2023</a:t>
             </a:fld>
             <a:endParaRPr lang="pt-BR"/>
           </a:p>
@@ -2209,10 +2191,9 @@
           </a:lstStyle>
           <a:p>
             <a:r>
-              <a:rPr lang="pt-BR" smtClean="0"/>
+              <a:rPr lang="pt-BR"/>
               <a:t>Clique para editar o título mestre</a:t>
             </a:r>
-            <a:endParaRPr lang="pt-BR"/>
           </a:p>
         </p:txBody>
       </p:sp>
@@ -2336,7 +2317,7 @@
           <a:p>
             <a:pPr lvl="0"/>
             <a:r>
-              <a:rPr lang="pt-BR" smtClean="0"/>
+              <a:rPr lang="pt-BR"/>
               <a:t>Editar estilos de texto Mestre</a:t>
             </a:r>
           </a:p>
@@ -2359,7 +2340,7 @@
           <a:p>
             <a:fld id="{79BD409C-FB56-4532-84F7-265D0F616909}" type="datetimeFigureOut">
               <a:rPr lang="pt-BR" smtClean="0"/>
-              <a:t>20/03/2022</a:t>
+              <a:t>22/11/2023</a:t>
             </a:fld>
             <a:endParaRPr lang="pt-BR"/>
           </a:p>
@@ -2468,10 +2449,9 @@
           <a:lstStyle/>
           <a:p>
             <a:r>
-              <a:rPr lang="pt-BR" smtClean="0"/>
+              <a:rPr lang="pt-BR"/>
               <a:t>Clique para editar o título mestre</a:t>
             </a:r>
-            <a:endParaRPr lang="pt-BR"/>
           </a:p>
         </p:txBody>
       </p:sp>
@@ -2502,38 +2482,37 @@
           <a:p>
             <a:pPr lvl="0"/>
             <a:r>
-              <a:rPr lang="pt-BR" smtClean="0"/>
+              <a:rPr lang="pt-BR"/>
               <a:t>Editar estilos de texto Mestre</a:t>
             </a:r>
           </a:p>
           <a:p>
             <a:pPr lvl="1"/>
             <a:r>
-              <a:rPr lang="pt-BR" smtClean="0"/>
+              <a:rPr lang="pt-BR"/>
               <a:t>Segundo nível</a:t>
             </a:r>
           </a:p>
           <a:p>
             <a:pPr lvl="2"/>
             <a:r>
-              <a:rPr lang="pt-BR" smtClean="0"/>
+              <a:rPr lang="pt-BR"/>
               <a:t>Terceiro nível</a:t>
             </a:r>
           </a:p>
           <a:p>
             <a:pPr lvl="3"/>
             <a:r>
-              <a:rPr lang="pt-BR" smtClean="0"/>
+              <a:rPr lang="pt-BR"/>
               <a:t>Quarto nível</a:t>
             </a:r>
           </a:p>
           <a:p>
             <a:pPr lvl="4"/>
             <a:r>
-              <a:rPr lang="pt-BR" smtClean="0"/>
+              <a:rPr lang="pt-BR"/>
               <a:t>Quinto nível</a:t>
             </a:r>
-            <a:endParaRPr lang="pt-BR"/>
           </a:p>
         </p:txBody>
       </p:sp>
@@ -2572,7 +2551,7 @@
           <a:p>
             <a:fld id="{79BD409C-FB56-4532-84F7-265D0F616909}" type="datetimeFigureOut">
               <a:rPr lang="pt-BR" smtClean="0"/>
-              <a:t>20/03/2022</a:t>
+              <a:t>22/11/2023</a:t>
             </a:fld>
             <a:endParaRPr lang="pt-BR"/>
           </a:p>
@@ -3000,14 +2979,11 @@
           <a:lstStyle/>
           <a:p>
             <a:r>
-              <a:rPr lang="pt-BR" sz="8000" b="1" dirty="0" smtClean="0">
+              <a:rPr lang="pt-BR" sz="8000" b="1" dirty="0">
                 <a:latin typeface="Arial Black" panose="020B0A04020102020204" pitchFamily="34" charset="0"/>
               </a:rPr>
               <a:t>TUA GRAÇA ME BASTA</a:t>
             </a:r>
-            <a:endParaRPr lang="pt-BR" sz="8000" b="1" dirty="0">
-              <a:latin typeface="Arial Black" panose="020B0A04020102020204" pitchFamily="34" charset="0"/>
-            </a:endParaRPr>
           </a:p>
         </p:txBody>
       </p:sp>
@@ -3034,14 +3010,11 @@
           <a:lstStyle/>
           <a:p>
             <a:r>
-              <a:rPr lang="pt-BR" sz="6000" b="1" dirty="0" smtClean="0">
+              <a:rPr lang="pt-BR" sz="6000" b="1" dirty="0">
                 <a:latin typeface="Arial Black" panose="020B0A04020102020204" pitchFamily="34" charset="0"/>
               </a:rPr>
               <a:t>TOQUE NO ALTAR</a:t>
             </a:r>
-            <a:endParaRPr lang="pt-BR" sz="6000" b="1" dirty="0">
-              <a:latin typeface="Arial Black" panose="020B0A04020102020204" pitchFamily="34" charset="0"/>
-            </a:endParaRPr>
           </a:p>
         </p:txBody>
       </p:sp>
@@ -3055,13 +3028,6 @@
   <p:clrMapOvr>
     <a:masterClrMapping/>
   </p:clrMapOvr>
-  <p:timing>
-    <p:tnLst>
-      <p:par>
-        <p:cTn id="1" dur="indefinite" restart="never" nodeType="tmRoot"/>
-      </p:par>
-    </p:tnLst>
-  </p:timing>
 </p:sld>
 </file>
 
@@ -3104,7 +3070,7 @@
           <a:lstStyle/>
           <a:p>
             <a:r>
-              <a:rPr lang="pt-BR" sz="7200" b="1" i="0" dirty="0" smtClean="0">
+              <a:rPr lang="pt-BR" sz="7200" b="1" i="0" dirty="0">
                 <a:solidFill>
                   <a:srgbClr val="2D2D2D"/>
                 </a:solidFill>
@@ -3113,19 +3079,13 @@
               </a:rPr>
               <a:t>EU NÃO PRECISO SER RECONHECIDO POR NINGUÉM</a:t>
             </a:r>
-            <a:r>
-              <a:rPr lang="pt-BR" sz="7200" b="1" dirty="0" smtClean="0">
-                <a:latin typeface="Arial Black" panose="020B0A04020102020204" pitchFamily="34" charset="0"/>
-              </a:rPr>
-              <a:t/>
-            </a:r>
             <a:br>
-              <a:rPr lang="pt-BR" sz="7200" b="1" dirty="0" smtClean="0">
+              <a:rPr lang="pt-BR" sz="7200" b="1" dirty="0">
                 <a:latin typeface="Arial Black" panose="020B0A04020102020204" pitchFamily="34" charset="0"/>
               </a:rPr>
             </a:br>
             <a:r>
-              <a:rPr lang="pt-BR" sz="7200" b="1" i="0" dirty="0" smtClean="0">
+              <a:rPr lang="pt-BR" sz="7200" b="1" i="0" dirty="0">
                 <a:solidFill>
                   <a:srgbClr val="2D2D2D"/>
                 </a:solidFill>
@@ -3134,19 +3094,13 @@
               </a:rPr>
               <a:t>A MINHA GLÓRIA É FAZER COM QUE</a:t>
             </a:r>
-            <a:r>
-              <a:rPr lang="pt-BR" sz="7200" b="1" dirty="0" smtClean="0">
-                <a:latin typeface="Arial Black" panose="020B0A04020102020204" pitchFamily="34" charset="0"/>
-              </a:rPr>
-              <a:t/>
-            </a:r>
             <a:br>
-              <a:rPr lang="pt-BR" sz="7200" b="1" dirty="0" smtClean="0">
+              <a:rPr lang="pt-BR" sz="7200" b="1" dirty="0">
                 <a:latin typeface="Arial Black" panose="020B0A04020102020204" pitchFamily="34" charset="0"/>
               </a:rPr>
             </a:br>
             <a:r>
-              <a:rPr lang="pt-BR" sz="7200" b="1" i="0" dirty="0" smtClean="0">
+              <a:rPr lang="pt-BR" sz="7200" b="1" i="0" dirty="0">
                 <a:solidFill>
                   <a:srgbClr val="2D2D2D"/>
                 </a:solidFill>
@@ -3171,13 +3125,6 @@
   <p:clrMapOvr>
     <a:masterClrMapping/>
   </p:clrMapOvr>
-  <p:timing>
-    <p:tnLst>
-      <p:par>
-        <p:cTn id="1" dur="indefinite" restart="never" nodeType="tmRoot"/>
-      </p:par>
-    </p:tnLst>
-  </p:timing>
 </p:sld>
 </file>
 
@@ -3220,7 +3167,7 @@
           <a:lstStyle/>
           <a:p>
             <a:r>
-              <a:rPr lang="pt-BR" sz="8000" b="1" i="0" dirty="0" smtClean="0">
+              <a:rPr lang="pt-BR" sz="8000" b="1" i="0" dirty="0">
                 <a:solidFill>
                   <a:srgbClr val="2D2D2D"/>
                 </a:solidFill>
@@ -3229,19 +3176,13 @@
               </a:rPr>
               <a:t>E QUE DIMINUA EU PRÁ QUE TU CRESÇAS,</a:t>
             </a:r>
-            <a:r>
-              <a:rPr lang="pt-BR" sz="8000" b="1" dirty="0" smtClean="0">
-                <a:latin typeface="Arial Black" panose="020B0A04020102020204" pitchFamily="34" charset="0"/>
-              </a:rPr>
-              <a:t/>
-            </a:r>
             <a:br>
-              <a:rPr lang="pt-BR" sz="8000" b="1" dirty="0" smtClean="0">
+              <a:rPr lang="pt-BR" sz="8000" b="1" dirty="0">
                 <a:latin typeface="Arial Black" panose="020B0A04020102020204" pitchFamily="34" charset="0"/>
               </a:rPr>
             </a:br>
             <a:r>
-              <a:rPr lang="pt-BR" sz="8000" b="1" i="0" dirty="0" smtClean="0">
+              <a:rPr lang="pt-BR" sz="8000" b="1" i="0" dirty="0">
                 <a:solidFill>
                   <a:srgbClr val="2D2D2D"/>
                 </a:solidFill>
@@ -3266,13 +3207,6 @@
   <p:clrMapOvr>
     <a:masterClrMapping/>
   </p:clrMapOvr>
-  <p:timing>
-    <p:tnLst>
-      <p:par>
-        <p:cTn id="1" dur="indefinite" restart="never" nodeType="tmRoot"/>
-      </p:par>
-    </p:tnLst>
-  </p:timing>
 </p:sld>
 </file>
 
@@ -3315,7 +3249,7 @@
           <a:lstStyle/>
           <a:p>
             <a:r>
-              <a:rPr lang="pt-BR" sz="8800" b="1" i="0" dirty="0" smtClean="0">
+              <a:rPr lang="pt-BR" sz="8800" b="1" i="0" dirty="0">
                 <a:solidFill>
                   <a:srgbClr val="2D2D2D"/>
                 </a:solidFill>
@@ -3324,19 +3258,13 @@
               </a:rPr>
               <a:t>E COMO OS SERAFINS QUE COBREM O</a:t>
             </a:r>
-            <a:r>
-              <a:rPr lang="pt-BR" sz="8800" b="1" dirty="0" smtClean="0">
-                <a:latin typeface="Arial Black" panose="020B0A04020102020204" pitchFamily="34" charset="0"/>
-              </a:rPr>
-              <a:t/>
-            </a:r>
             <a:br>
-              <a:rPr lang="pt-BR" sz="8800" b="1" dirty="0" smtClean="0">
+              <a:rPr lang="pt-BR" sz="8800" b="1" dirty="0">
                 <a:latin typeface="Arial Black" panose="020B0A04020102020204" pitchFamily="34" charset="0"/>
               </a:rPr>
             </a:br>
             <a:r>
-              <a:rPr lang="pt-BR" sz="8800" b="1" i="0" dirty="0" smtClean="0">
+              <a:rPr lang="pt-BR" sz="8800" b="1" i="0" dirty="0">
                 <a:solidFill>
                   <a:srgbClr val="2D2D2D"/>
                 </a:solidFill>
@@ -3361,13 +3289,6 @@
   <p:clrMapOvr>
     <a:masterClrMapping/>
   </p:clrMapOvr>
-  <p:timing>
-    <p:tnLst>
-      <p:par>
-        <p:cTn id="1" dur="indefinite" restart="never" nodeType="tmRoot"/>
-      </p:par>
-    </p:tnLst>
-  </p:timing>
 </p:sld>
 </file>
 
@@ -3410,7 +3331,7 @@
           <a:lstStyle/>
           <a:p>
             <a:r>
-              <a:rPr lang="pt-BR" sz="8000" b="1" i="0" dirty="0" smtClean="0">
+              <a:rPr lang="pt-BR" sz="8000" b="1" i="0" dirty="0">
                 <a:solidFill>
                   <a:srgbClr val="2D2D2D"/>
                 </a:solidFill>
@@ -3419,19 +3340,13 @@
               </a:rPr>
               <a:t>ESCONDO O ROSTO PRÁ QUE VEJAM TUA</a:t>
             </a:r>
-            <a:r>
-              <a:rPr lang="pt-BR" sz="8000" b="1" dirty="0" smtClean="0">
-                <a:latin typeface="Arial Black" panose="020B0A04020102020204" pitchFamily="34" charset="0"/>
-              </a:rPr>
-              <a:t/>
-            </a:r>
             <a:br>
-              <a:rPr lang="pt-BR" sz="8000" b="1" dirty="0" smtClean="0">
+              <a:rPr lang="pt-BR" sz="8000" b="1" dirty="0">
                 <a:latin typeface="Arial Black" panose="020B0A04020102020204" pitchFamily="34" charset="0"/>
               </a:rPr>
             </a:br>
             <a:r>
-              <a:rPr lang="pt-BR" sz="8000" b="1" i="0" dirty="0" smtClean="0">
+              <a:rPr lang="pt-BR" sz="8000" b="1" i="0" dirty="0">
                 <a:solidFill>
                   <a:srgbClr val="2D2D2D"/>
                 </a:solidFill>
@@ -3456,13 +3371,6 @@
   <p:clrMapOvr>
     <a:masterClrMapping/>
   </p:clrMapOvr>
-  <p:timing>
-    <p:tnLst>
-      <p:par>
-        <p:cTn id="1" dur="indefinite" restart="never" nodeType="tmRoot"/>
-      </p:par>
-    </p:tnLst>
-  </p:timing>
 </p:sld>
 </file>
 
@@ -3505,48 +3413,22 @@
           <a:lstStyle/>
           <a:p>
             <a:r>
-              <a:rPr lang="pt-BR" sz="8000" b="1" i="0" dirty="0" smtClean="0">
+              <a:rPr lang="pt-BR" sz="8000" b="1" i="0" dirty="0">
                 <a:solidFill>
                   <a:srgbClr val="2D2D2D"/>
                 </a:solidFill>
                 <a:effectLst/>
                 <a:latin typeface="Arial Black" panose="020B0A04020102020204" pitchFamily="34" charset="0"/>
               </a:rPr>
-              <a:t>E QUE DIMINUA EU </a:t>
-            </a:r>
-            <a:r>
-              <a:rPr lang="pt-BR" sz="8000" b="1" i="0" dirty="0" smtClean="0">
-                <a:solidFill>
-                  <a:srgbClr val="2D2D2D"/>
-                </a:solidFill>
-                <a:effectLst/>
-                <a:latin typeface="Arial Black" panose="020B0A04020102020204" pitchFamily="34" charset="0"/>
-              </a:rPr>
-              <a:t>PRÁ </a:t>
-            </a:r>
-            <a:r>
-              <a:rPr lang="pt-BR" sz="8000" b="1" i="0" dirty="0" smtClean="0">
-                <a:solidFill>
-                  <a:srgbClr val="2D2D2D"/>
-                </a:solidFill>
-                <a:effectLst/>
-                <a:latin typeface="Arial Black" panose="020B0A04020102020204" pitchFamily="34" charset="0"/>
-              </a:rPr>
-              <a:t>QUE TU CRESÇAS,</a:t>
-            </a:r>
-            <a:r>
-              <a:rPr lang="pt-BR" sz="8000" b="1" dirty="0" smtClean="0">
-                <a:latin typeface="Arial Black" panose="020B0A04020102020204" pitchFamily="34" charset="0"/>
-              </a:rPr>
-              <a:t/>
+              <a:t>E QUE DIMINUA EU PRÁ QUE TU CRESÇAS,</a:t>
             </a:r>
             <a:br>
-              <a:rPr lang="pt-BR" sz="8000" b="1" dirty="0" smtClean="0">
+              <a:rPr lang="pt-BR" sz="8000" b="1" dirty="0">
                 <a:latin typeface="Arial Black" panose="020B0A04020102020204" pitchFamily="34" charset="0"/>
               </a:rPr>
             </a:br>
             <a:r>
-              <a:rPr lang="pt-BR" sz="8000" b="1" i="0" dirty="0" smtClean="0">
+              <a:rPr lang="pt-BR" sz="8000" b="1" i="0" dirty="0">
                 <a:solidFill>
                   <a:srgbClr val="2D2D2D"/>
                 </a:solidFill>
@@ -3571,13 +3453,6 @@
   <p:clrMapOvr>
     <a:masterClrMapping/>
   </p:clrMapOvr>
-  <p:timing>
-    <p:tnLst>
-      <p:par>
-        <p:cTn id="1" dur="indefinite" restart="never" nodeType="tmRoot"/>
-      </p:par>
-    </p:tnLst>
-  </p:timing>
 </p:sld>
 </file>
 
@@ -3606,8 +3481,8 @@
         </p:nvSpPr>
         <p:spPr>
           <a:xfrm>
-            <a:off x="152400" y="211435"/>
-            <a:ext cx="10807700" cy="3785652"/>
+            <a:off x="385480" y="1699576"/>
+            <a:ext cx="12048565" cy="4154984"/>
           </a:xfrm>
           <a:prstGeom prst="rect">
             <a:avLst/>
@@ -3620,7 +3495,7 @@
           <a:lstStyle/>
           <a:p>
             <a:r>
-              <a:rPr lang="pt-BR" sz="6000" b="1" i="0" dirty="0" smtClean="0">
+              <a:rPr lang="pt-BR" sz="6600" b="1" i="0" dirty="0">
                 <a:solidFill>
                   <a:srgbClr val="2D2D2D"/>
                 </a:solidFill>
@@ -3629,19 +3504,13 @@
               </a:rPr>
               <a:t>NO SANTO DOS SANTOS</a:t>
             </a:r>
-            <a:r>
-              <a:rPr lang="pt-BR" sz="6000" b="1" dirty="0" smtClean="0">
-                <a:latin typeface="Arial Black" panose="020B0A04020102020204" pitchFamily="34" charset="0"/>
-              </a:rPr>
-              <a:t/>
-            </a:r>
             <a:br>
-              <a:rPr lang="pt-BR" sz="6000" b="1" dirty="0" smtClean="0">
+              <a:rPr lang="pt-BR" sz="6600" b="1" dirty="0">
                 <a:latin typeface="Arial Black" panose="020B0A04020102020204" pitchFamily="34" charset="0"/>
               </a:rPr>
             </a:br>
             <a:r>
-              <a:rPr lang="pt-BR" sz="6000" b="1" i="0" dirty="0" smtClean="0">
+              <a:rPr lang="pt-BR" sz="6600" b="1" i="0" dirty="0">
                 <a:solidFill>
                   <a:srgbClr val="2D2D2D"/>
                 </a:solidFill>
@@ -3650,19 +3519,13 @@
               </a:rPr>
               <a:t>A FUMAÇA ME ESCONDE</a:t>
             </a:r>
-            <a:r>
-              <a:rPr lang="pt-BR" sz="6000" b="1" dirty="0" smtClean="0">
-                <a:latin typeface="Arial Black" panose="020B0A04020102020204" pitchFamily="34" charset="0"/>
-              </a:rPr>
-              <a:t/>
-            </a:r>
             <a:br>
-              <a:rPr lang="pt-BR" sz="6000" b="1" dirty="0" smtClean="0">
+              <a:rPr lang="pt-BR" sz="6600" b="1" dirty="0">
                 <a:latin typeface="Arial Black" panose="020B0A04020102020204" pitchFamily="34" charset="0"/>
               </a:rPr>
             </a:br>
             <a:r>
-              <a:rPr lang="pt-BR" sz="6000" b="1" i="0" dirty="0" smtClean="0">
+              <a:rPr lang="pt-BR" sz="6600" b="1" i="0" dirty="0">
                 <a:solidFill>
                   <a:srgbClr val="2D2D2D"/>
                 </a:solidFill>
@@ -3671,7 +3534,7 @@
               </a:rPr>
               <a:t>SÓ TEUS OLHOS ME VÊEM</a:t>
             </a:r>
-            <a:endParaRPr lang="pt-BR" sz="6000" b="1" dirty="0">
+            <a:endParaRPr lang="pt-BR" sz="6600" b="1" dirty="0">
               <a:latin typeface="Arial Black" panose="020B0A04020102020204" pitchFamily="34" charset="0"/>
             </a:endParaRPr>
           </a:p>
@@ -3687,13 +3550,6 @@
   <p:clrMapOvr>
     <a:masterClrMapping/>
   </p:clrMapOvr>
-  <p:timing>
-    <p:tnLst>
-      <p:par>
-        <p:cTn id="1" dur="indefinite" restart="never" nodeType="tmRoot"/>
-      </p:par>
-    </p:tnLst>
-  </p:timing>
 </p:sld>
 </file>
 
@@ -3722,7 +3578,7 @@
         </p:nvSpPr>
         <p:spPr>
           <a:xfrm>
-            <a:off x="368300" y="337235"/>
+            <a:off x="431800" y="2148105"/>
             <a:ext cx="11328400" cy="3139321"/>
           </a:xfrm>
           <a:prstGeom prst="rect">
@@ -3736,7 +3592,7 @@
           <a:lstStyle/>
           <a:p>
             <a:r>
-              <a:rPr lang="pt-BR" sz="6600" b="1" i="0" dirty="0" smtClean="0">
+              <a:rPr lang="pt-BR" sz="6600" b="1" i="0" dirty="0">
                 <a:solidFill>
                   <a:srgbClr val="2D2D2D"/>
                 </a:solidFill>
@@ -3745,19 +3601,13 @@
               </a:rPr>
               <a:t>DEBAIXO DE TUAS ASAS É O MEU ABRIGO</a:t>
             </a:r>
-            <a:r>
-              <a:rPr lang="pt-BR" sz="6600" b="1" dirty="0" smtClean="0">
-                <a:latin typeface="Arial Black" panose="020B0A04020102020204" pitchFamily="34" charset="0"/>
-              </a:rPr>
-              <a:t/>
-            </a:r>
             <a:br>
-              <a:rPr lang="pt-BR" sz="6600" b="1" dirty="0" smtClean="0">
+              <a:rPr lang="pt-BR" sz="6600" b="1" dirty="0">
                 <a:latin typeface="Arial Black" panose="020B0A04020102020204" pitchFamily="34" charset="0"/>
               </a:rPr>
             </a:br>
             <a:r>
-              <a:rPr lang="pt-BR" sz="6600" b="1" i="0" dirty="0" smtClean="0">
+              <a:rPr lang="pt-BR" sz="6600" b="1" i="0" dirty="0">
                 <a:solidFill>
                   <a:srgbClr val="2D2D2D"/>
                 </a:solidFill>
@@ -3782,13 +3632,6 @@
   <p:clrMapOvr>
     <a:masterClrMapping/>
   </p:clrMapOvr>
-  <p:timing>
-    <p:tnLst>
-      <p:par>
-        <p:cTn id="1" dur="indefinite" restart="never" nodeType="tmRoot"/>
-      </p:par>
-    </p:tnLst>
-  </p:timing>
 </p:sld>
 </file>
 
@@ -3817,7 +3660,7 @@
         </p:nvSpPr>
         <p:spPr>
           <a:xfrm>
-            <a:off x="279400" y="248335"/>
+            <a:off x="969682" y="1270311"/>
             <a:ext cx="10083800" cy="5016758"/>
           </a:xfrm>
           <a:prstGeom prst="rect">
@@ -3831,7 +3674,7 @@
           <a:lstStyle/>
           <a:p>
             <a:r>
-              <a:rPr lang="pt-BR" sz="8000" b="1" i="0" dirty="0" smtClean="0">
+              <a:rPr lang="pt-BR" sz="8000" b="1" i="0" dirty="0">
                 <a:solidFill>
                   <a:srgbClr val="2D2D2D"/>
                 </a:solidFill>
@@ -3840,19 +3683,13 @@
               </a:rPr>
               <a:t>SÓ TUA GRAÇA ME BASTA E TUA PRESENÇA</a:t>
             </a:r>
-            <a:r>
-              <a:rPr lang="pt-BR" sz="8000" b="1" dirty="0" smtClean="0">
-                <a:latin typeface="Arial Black" panose="020B0A04020102020204" pitchFamily="34" charset="0"/>
-              </a:rPr>
-              <a:t/>
-            </a:r>
             <a:br>
-              <a:rPr lang="pt-BR" sz="8000" b="1" dirty="0" smtClean="0">
+              <a:rPr lang="pt-BR" sz="8000" b="1" dirty="0">
                 <a:latin typeface="Arial Black" panose="020B0A04020102020204" pitchFamily="34" charset="0"/>
               </a:rPr>
             </a:br>
             <a:r>
-              <a:rPr lang="pt-BR" sz="8000" b="1" i="0" dirty="0" smtClean="0">
+              <a:rPr lang="pt-BR" sz="8000" b="1" i="0" dirty="0">
                 <a:solidFill>
                   <a:srgbClr val="2D2D2D"/>
                 </a:solidFill>
@@ -3877,13 +3714,6 @@
   <p:clrMapOvr>
     <a:masterClrMapping/>
   </p:clrMapOvr>
-  <p:timing>
-    <p:tnLst>
-      <p:par>
-        <p:cTn id="1" dur="indefinite" restart="never" nodeType="tmRoot"/>
-      </p:par>
-    </p:tnLst>
-  </p:timing>
 </p:sld>
 </file>
 
